--- a/UD0-Presentación Proyecto 2024-2025.pptx
+++ b/UD0-Presentación Proyecto 2024-2025.pptx
@@ -275,7 +275,7 @@
       </p15:sldGuideLst>
     </p:ext>
     <p:ext uri="http://customooxmlschemas.google.com/">
-      <go:slidesCustomData xmlns:go="http://customooxmlschemas.google.com/" xmlns:ahyp="http://schemas.microsoft.com/office/drawing/2018/hyperlinkcolor" xmlns:p15="http://schemas.microsoft.com/office/powerpoint/2012/main" xmlns:p14="http://schemas.microsoft.com/office/powerpoint/2010/main" xmlns:com="http://schemas.openxmlformats.org/drawingml/2006/compatibility" xmlns:pvml="urn:schemas-microsoft-com:office:powerpoint" xmlns:v="urn:schemas-microsoft-com:vml" xmlns:o="urn:schemas-microsoft-com:office:office" xmlns:dgm="http://schemas.openxmlformats.org/drawingml/2006/diagram" xmlns:c="http://schemas.openxmlformats.org/drawingml/2006/chart" xmlns:mv="urn:schemas-microsoft-com:mac:vml" xmlns:mc="http://schemas.openxmlformats.org/markup-compatibility/2006" xmlns="" r:id="rId26" roundtripDataSignature="AMtx7miy4shJB1NmUqbQBevqtUkmWPSJTA=="/>
+      <go:slidesCustomData xmlns="" xmlns:mc="http://schemas.openxmlformats.org/markup-compatibility/2006" xmlns:mv="urn:schemas-microsoft-com:mac:vml" xmlns:c="http://schemas.openxmlformats.org/drawingml/2006/chart" xmlns:dgm="http://schemas.openxmlformats.org/drawingml/2006/diagram" xmlns:o="urn:schemas-microsoft-com:office:office" xmlns:v="urn:schemas-microsoft-com:vml" xmlns:pvml="urn:schemas-microsoft-com:office:powerpoint" xmlns:com="http://schemas.openxmlformats.org/drawingml/2006/compatibility" xmlns:p14="http://schemas.microsoft.com/office/powerpoint/2010/main" xmlns:p15="http://schemas.microsoft.com/office/powerpoint/2012/main" xmlns:ahyp="http://schemas.microsoft.com/office/drawing/2018/hyperlinkcolor" xmlns:go="http://customooxmlschemas.google.com/" r:id="rId26" roundtripDataSignature="AMtx7miy4shJB1NmUqbQBevqtUkmWPSJTA=="/>
     </p:ext>
   </p:extLst>
 </p:presentation>
@@ -16856,10 +16856,10 @@
                         <a:buNone/>
                       </a:pPr>
                       <a:r>
-                        <a:rPr lang="es-ES" sz="1800" u="none" strike="noStrike" cap="none"/>
+                        <a:rPr lang="es-ES" sz="1800" u="none" strike="noStrike" cap="none" dirty="0"/>
                         <a:t>Desarrollo proyecto</a:t>
                       </a:r>
-                      <a:endParaRPr sz="1800"/>
+                      <a:endParaRPr sz="1800" dirty="0"/>
                     </a:p>
                   </a:txBody>
                   <a:tcPr marL="91450" marR="91450" marT="45725" marB="45725"/>
@@ -16879,10 +16879,10 @@
                         <a:buNone/>
                       </a:pPr>
                       <a:r>
-                        <a:rPr lang="es-ES" sz="1800"/>
+                        <a:rPr lang="es-ES" sz="1800" dirty="0"/>
                         <a:t>30%</a:t>
                       </a:r>
-                      <a:endParaRPr sz="1800"/>
+                      <a:endParaRPr sz="1800" dirty="0"/>
                     </a:p>
                   </a:txBody>
                   <a:tcPr marL="91450" marR="91450" marT="45725" marB="45725"/>
@@ -16902,10 +16902,10 @@
                         <a:buNone/>
                       </a:pPr>
                       <a:r>
-                        <a:rPr lang="es-ES" sz="1800"/>
+                        <a:rPr lang="es-ES" sz="1800" dirty="0"/>
                         <a:t>Contacto con el profesor, información continua sobre el estado y progresividad del proyecto, entregas parciales de documentación de forma que se preferirá el avance uniforme frente a dejarlo todo para el final…</a:t>
                       </a:r>
-                      <a:endParaRPr sz="1800"/>
+                      <a:endParaRPr sz="1800" dirty="0"/>
                     </a:p>
                   </a:txBody>
                   <a:tcPr marL="91450" marR="91450" marT="45725" marB="45725"/>
@@ -16932,10 +16932,10 @@
                         <a:buNone/>
                       </a:pPr>
                       <a:r>
-                        <a:rPr lang="es-ES" sz="1800"/>
+                        <a:rPr lang="es-ES" sz="1800" dirty="0"/>
                         <a:t>Memoria proyecto</a:t>
                       </a:r>
-                      <a:endParaRPr sz="1800"/>
+                      <a:endParaRPr sz="1800" dirty="0"/>
                     </a:p>
                   </a:txBody>
                   <a:tcPr marL="91450" marR="91450" marT="45725" marB="45725"/>
@@ -17024,10 +17024,10 @@
                         <a:buNone/>
                       </a:pPr>
                       <a:r>
-                        <a:rPr lang="es-ES" sz="1800"/>
+                        <a:rPr lang="es-ES" sz="1800" dirty="0"/>
                         <a:t>Defensa proyecto</a:t>
                       </a:r>
-                      <a:endParaRPr/>
+                      <a:endParaRPr dirty="0"/>
                     </a:p>
                     <a:p>
                       <a:pPr marL="0" marR="0" lvl="0" indent="0" algn="l" rtl="0">
@@ -17040,14 +17040,14 @@
                         <a:buNone/>
                       </a:pPr>
                       <a:r>
-                        <a:rPr lang="es-ES" sz="1800" b="1">
+                        <a:rPr lang="es-ES" sz="1800" b="1" dirty="0">
                           <a:solidFill>
                             <a:srgbClr val="FF0000"/>
                           </a:solidFill>
                         </a:rPr>
                         <a:t>(15minutos máximo)</a:t>
                       </a:r>
-                      <a:endParaRPr sz="1800" b="1">
+                      <a:endParaRPr sz="1800" b="1" dirty="0">
                         <a:solidFill>
                           <a:srgbClr val="FF0000"/>
                         </a:solidFill>
@@ -18220,31 +18220,6 @@
           </a:bodyPr>
           <a:lstStyle/>
           <a:p>
-            <a:pPr marL="365125" lvl="0" indent="-255587" algn="l" rtl="0">
-              <a:spcBef>
-                <a:spcPts val="0"/>
-              </a:spcBef>
-              <a:spcAft>
-                <a:spcPts val="0"/>
-              </a:spcAft>
-              <a:buSzPts val="1904"/>
-              <a:buChar char="🞂"/>
-            </a:pPr>
-            <a:r>
-              <a:rPr lang="es-ES" sz="2800" b="1" dirty="0"/>
-              <a:t>Google </a:t>
-            </a:r>
-            <a:r>
-              <a:rPr lang="es-ES" sz="2800" b="1" dirty="0" err="1"/>
-              <a:t>Classroom</a:t>
-            </a:r>
-            <a:r>
-              <a:rPr lang="es-ES" dirty="0"/>
-              <a:t>:</a:t>
-            </a:r>
-            <a:endParaRPr dirty="0"/>
-          </a:p>
-          <a:p>
             <a:pPr marL="109537" lvl="0" indent="0" algn="l" rtl="0">
               <a:spcBef>
                 <a:spcPts val="400"/>
@@ -18330,73 +18305,6 @@
               <a:buSzPts val="2100"/>
               <a:buNone/>
             </a:pPr>
-            <a:endParaRPr dirty="0"/>
-          </a:p>
-          <a:p>
-            <a:pPr marL="620713" lvl="1" indent="-228600" algn="l" rtl="0">
-              <a:spcBef>
-                <a:spcPts val="325"/>
-              </a:spcBef>
-              <a:spcAft>
-                <a:spcPts val="0"/>
-              </a:spcAft>
-              <a:buSzPts val="2300"/>
-              <a:buChar char="◦"/>
-            </a:pPr>
-            <a:r>
-              <a:rPr lang="es-ES" dirty="0"/>
-              <a:t>Carpeta compartida de cada grupo:</a:t>
-            </a:r>
-            <a:endParaRPr dirty="0"/>
-          </a:p>
-          <a:p>
-            <a:pPr marL="858838" lvl="2" indent="-228600" algn="l" rtl="0">
-              <a:spcBef>
-                <a:spcPts val="350"/>
-              </a:spcBef>
-              <a:spcAft>
-                <a:spcPts val="0"/>
-              </a:spcAft>
-              <a:buSzPts val="2100"/>
-              <a:buChar char="●"/>
-            </a:pPr>
-            <a:r>
-              <a:rPr lang="es-ES" dirty="0"/>
-              <a:t>Nombre: </a:t>
-            </a:r>
-            <a:r>
-              <a:rPr lang="es-ES" b="1" i="1" dirty="0" err="1"/>
-              <a:t>Gxx</a:t>
-            </a:r>
-            <a:r>
-              <a:rPr lang="es-ES" b="1" dirty="0" err="1"/>
-              <a:t>_</a:t>
-            </a:r>
-            <a:r>
-              <a:rPr lang="es-ES" b="1" i="1" dirty="0" err="1"/>
-              <a:t>Nombre</a:t>
-            </a:r>
-            <a:r>
-              <a:rPr lang="es-ES" i="1" dirty="0"/>
-              <a:t>.</a:t>
-            </a:r>
-            <a:endParaRPr dirty="0"/>
-          </a:p>
-          <a:p>
-            <a:pPr marL="858838" lvl="2" indent="-228600" algn="l" rtl="0">
-              <a:spcBef>
-                <a:spcPts val="350"/>
-              </a:spcBef>
-              <a:spcAft>
-                <a:spcPts val="0"/>
-              </a:spcAft>
-              <a:buSzPts val="2100"/>
-              <a:buChar char="●"/>
-            </a:pPr>
-            <a:r>
-              <a:rPr lang="es-ES" dirty="0"/>
-              <a:t>Incluye la entrega del alumno/grupo - entregas parciales y final.</a:t>
-            </a:r>
             <a:endParaRPr dirty="0"/>
           </a:p>
         </p:txBody>
